--- a/docs/Speed Jester Presentation.pptx
+++ b/docs/Speed Jester Presentation.pptx
@@ -20,23 +20,24 @@
     <p:sldId id="265" r:id="rId14"/>
     <p:sldId id="266" r:id="rId15"/>
     <p:sldId id="267" r:id="rId16"/>
+    <p:sldId id="268" r:id="rId17"/>
   </p:sldIdLst>
   <p:sldSz cy="5143500" cx="9144000"/>
   <p:notesSz cx="6858000" cy="9144000"/>
   <p:embeddedFontLst>
     <p:embeddedFont>
       <p:font typeface="Average"/>
-      <p:regular r:id="rId17"/>
+      <p:regular r:id="rId18"/>
     </p:embeddedFont>
     <p:embeddedFont>
       <p:font typeface="Syncopate"/>
-      <p:regular r:id="rId18"/>
-      <p:bold r:id="rId19"/>
+      <p:regular r:id="rId19"/>
+      <p:bold r:id="rId20"/>
     </p:embeddedFont>
     <p:embeddedFont>
       <p:font typeface="Oswald"/>
-      <p:regular r:id="rId20"/>
-      <p:bold r:id="rId21"/>
+      <p:regular r:id="rId21"/>
+      <p:bold r:id="rId22"/>
     </p:embeddedFont>
   </p:embeddedFontLst>
   <p:defaultTextStyle>
@@ -512,7 +513,7 @@
   <p:cSld>
     <p:spTree>
       <p:nvGrpSpPr>
-        <p:cNvPr id="121" name="Shape 121"/>
+        <p:cNvPr id="129" name="Shape 129"/>
         <p:cNvGrpSpPr/>
         <p:nvPr/>
       </p:nvGrpSpPr>
@@ -526,7 +527,7 @@
       </p:grpSpPr>
       <p:sp>
         <p:nvSpPr>
-          <p:cNvPr id="122" name="Shape 122"/>
+          <p:cNvPr id="130" name="Shape 130"/>
           <p:cNvSpPr/>
           <p:nvPr>
             <p:ph idx="2" type="sldImg"/>
@@ -570,7 +571,7 @@
       </p:sp>
       <p:sp>
         <p:nvSpPr>
-          <p:cNvPr id="123" name="Shape 123"/>
+          <p:cNvPr id="131" name="Shape 131"/>
           <p:cNvSpPr txBox="1"/>
           <p:nvPr>
             <p:ph idx="1" type="body"/>
@@ -617,7 +618,7 @@
   <p:cSld>
     <p:spTree>
       <p:nvGrpSpPr>
-        <p:cNvPr id="131" name="Shape 131"/>
+        <p:cNvPr id="135" name="Shape 135"/>
         <p:cNvGrpSpPr/>
         <p:nvPr/>
       </p:nvGrpSpPr>
@@ -631,7 +632,7 @@
       </p:grpSpPr>
       <p:sp>
         <p:nvSpPr>
-          <p:cNvPr id="132" name="Shape 132"/>
+          <p:cNvPr id="136" name="Shape 136"/>
           <p:cNvSpPr/>
           <p:nvPr>
             <p:ph idx="2" type="sldImg"/>
@@ -675,7 +676,7 @@
       </p:sp>
       <p:sp>
         <p:nvSpPr>
-          <p:cNvPr id="133" name="Shape 133"/>
+          <p:cNvPr id="137" name="Shape 137"/>
           <p:cNvSpPr txBox="1"/>
           <p:nvPr>
             <p:ph idx="1" type="body"/>
@@ -722,7 +723,7 @@
   <p:cSld>
     <p:spTree>
       <p:nvGrpSpPr>
-        <p:cNvPr id="137" name="Shape 137"/>
+        <p:cNvPr id="145" name="Shape 145"/>
         <p:cNvGrpSpPr/>
         <p:nvPr/>
       </p:nvGrpSpPr>
@@ -736,7 +737,7 @@
       </p:grpSpPr>
       <p:sp>
         <p:nvSpPr>
-          <p:cNvPr id="138" name="Shape 138"/>
+          <p:cNvPr id="146" name="Shape 146"/>
           <p:cNvSpPr/>
           <p:nvPr>
             <p:ph idx="2" type="sldImg"/>
@@ -780,7 +781,7 @@
       </p:sp>
       <p:sp>
         <p:nvSpPr>
-          <p:cNvPr id="139" name="Shape 139"/>
+          <p:cNvPr id="147" name="Shape 147"/>
           <p:cNvSpPr txBox="1"/>
           <p:nvPr>
             <p:ph idx="1" type="body"/>
@@ -822,12 +823,12 @@
 </p:notes>
 </file>
 
-<file path=ppt/notesSlides/notesSlide2.xml><?xml version="1.0" encoding="utf-8"?>
+<file path=ppt/notesSlides/notesSlide13.xml><?xml version="1.0" encoding="utf-8"?>
 <p:notes xmlns:a="http://schemas.openxmlformats.org/drawingml/2006/main" xmlns:r="http://schemas.openxmlformats.org/officeDocument/2006/relationships" xmlns:mc="http://schemas.openxmlformats.org/markup-compatibility/2006" xmlns:mv="urn:schemas-microsoft-com:mac:vml" xmlns:p="http://schemas.openxmlformats.org/presentationml/2006/main" xmlns:c="http://schemas.openxmlformats.org/drawingml/2006/chart" xmlns:dgm="http://schemas.openxmlformats.org/drawingml/2006/diagram" xmlns:o="urn:schemas-microsoft-com:office:office" xmlns:v="urn:schemas-microsoft-com:vml" xmlns:pvml="urn:schemas-microsoft-com:office:powerpoint" xmlns:com="http://schemas.openxmlformats.org/drawingml/2006/compatibility" xmlns:p14="http://schemas.microsoft.com/office/powerpoint/2010/main" showMasterPhAnim="0" showMasterSp="0">
   <p:cSld>
     <p:spTree>
       <p:nvGrpSpPr>
-        <p:cNvPr id="61" name="Shape 61"/>
+        <p:cNvPr id="151" name="Shape 151"/>
         <p:cNvGrpSpPr/>
         <p:nvPr/>
       </p:nvGrpSpPr>
@@ -841,7 +842,7 @@
       </p:grpSpPr>
       <p:sp>
         <p:nvSpPr>
-          <p:cNvPr id="62" name="Shape 62"/>
+          <p:cNvPr id="152" name="Shape 152"/>
           <p:cNvSpPr/>
           <p:nvPr>
             <p:ph idx="2" type="sldImg"/>
@@ -885,7 +886,7 @@
       </p:sp>
       <p:sp>
         <p:nvSpPr>
-          <p:cNvPr id="63" name="Shape 63"/>
+          <p:cNvPr id="153" name="Shape 153"/>
           <p:cNvSpPr txBox="1"/>
           <p:nvPr>
             <p:ph idx="1" type="body"/>
@@ -927,12 +928,12 @@
 </p:notes>
 </file>
 
-<file path=ppt/notesSlides/notesSlide3.xml><?xml version="1.0" encoding="utf-8"?>
+<file path=ppt/notesSlides/notesSlide2.xml><?xml version="1.0" encoding="utf-8"?>
 <p:notes xmlns:a="http://schemas.openxmlformats.org/drawingml/2006/main" xmlns:r="http://schemas.openxmlformats.org/officeDocument/2006/relationships" xmlns:mc="http://schemas.openxmlformats.org/markup-compatibility/2006" xmlns:mv="urn:schemas-microsoft-com:mac:vml" xmlns:p="http://schemas.openxmlformats.org/presentationml/2006/main" xmlns:c="http://schemas.openxmlformats.org/drawingml/2006/chart" xmlns:dgm="http://schemas.openxmlformats.org/drawingml/2006/diagram" xmlns:o="urn:schemas-microsoft-com:office:office" xmlns:v="urn:schemas-microsoft-com:vml" xmlns:pvml="urn:schemas-microsoft-com:office:powerpoint" xmlns:com="http://schemas.openxmlformats.org/drawingml/2006/compatibility" xmlns:p14="http://schemas.microsoft.com/office/powerpoint/2010/main" showMasterPhAnim="0" showMasterSp="0">
   <p:cSld>
     <p:spTree>
       <p:nvGrpSpPr>
-        <p:cNvPr id="73" name="Shape 73"/>
+        <p:cNvPr id="61" name="Shape 61"/>
         <p:cNvGrpSpPr/>
         <p:nvPr/>
       </p:nvGrpSpPr>
@@ -946,7 +947,7 @@
       </p:grpSpPr>
       <p:sp>
         <p:nvSpPr>
-          <p:cNvPr id="74" name="Shape 74"/>
+          <p:cNvPr id="62" name="Shape 62"/>
           <p:cNvSpPr/>
           <p:nvPr>
             <p:ph idx="2" type="sldImg"/>
@@ -990,7 +991,7 @@
       </p:sp>
       <p:sp>
         <p:nvSpPr>
-          <p:cNvPr id="75" name="Shape 75"/>
+          <p:cNvPr id="63" name="Shape 63"/>
           <p:cNvSpPr txBox="1"/>
           <p:nvPr>
             <p:ph idx="1" type="body"/>
@@ -1032,12 +1033,12 @@
 </p:notes>
 </file>
 
-<file path=ppt/notesSlides/notesSlide4.xml><?xml version="1.0" encoding="utf-8"?>
+<file path=ppt/notesSlides/notesSlide3.xml><?xml version="1.0" encoding="utf-8"?>
 <p:notes xmlns:a="http://schemas.openxmlformats.org/drawingml/2006/main" xmlns:r="http://schemas.openxmlformats.org/officeDocument/2006/relationships" xmlns:mc="http://schemas.openxmlformats.org/markup-compatibility/2006" xmlns:mv="urn:schemas-microsoft-com:mac:vml" xmlns:p="http://schemas.openxmlformats.org/presentationml/2006/main" xmlns:c="http://schemas.openxmlformats.org/drawingml/2006/chart" xmlns:dgm="http://schemas.openxmlformats.org/drawingml/2006/diagram" xmlns:o="urn:schemas-microsoft-com:office:office" xmlns:v="urn:schemas-microsoft-com:vml" xmlns:pvml="urn:schemas-microsoft-com:office:powerpoint" xmlns:com="http://schemas.openxmlformats.org/drawingml/2006/compatibility" xmlns:p14="http://schemas.microsoft.com/office/powerpoint/2010/main" showMasterPhAnim="0" showMasterSp="0">
   <p:cSld>
     <p:spTree>
       <p:nvGrpSpPr>
-        <p:cNvPr id="79" name="Shape 79"/>
+        <p:cNvPr id="73" name="Shape 73"/>
         <p:cNvGrpSpPr/>
         <p:nvPr/>
       </p:nvGrpSpPr>
@@ -1051,7 +1052,7 @@
       </p:grpSpPr>
       <p:sp>
         <p:nvSpPr>
-          <p:cNvPr id="80" name="Shape 80"/>
+          <p:cNvPr id="74" name="Shape 74"/>
           <p:cNvSpPr/>
           <p:nvPr>
             <p:ph idx="2" type="sldImg"/>
@@ -1095,7 +1096,7 @@
       </p:sp>
       <p:sp>
         <p:nvSpPr>
-          <p:cNvPr id="81" name="Shape 81"/>
+          <p:cNvPr id="75" name="Shape 75"/>
           <p:cNvSpPr txBox="1"/>
           <p:nvPr>
             <p:ph idx="1" type="body"/>
@@ -1137,12 +1138,12 @@
 </p:notes>
 </file>
 
-<file path=ppt/notesSlides/notesSlide5.xml><?xml version="1.0" encoding="utf-8"?>
+<file path=ppt/notesSlides/notesSlide4.xml><?xml version="1.0" encoding="utf-8"?>
 <p:notes xmlns:a="http://schemas.openxmlformats.org/drawingml/2006/main" xmlns:r="http://schemas.openxmlformats.org/officeDocument/2006/relationships" xmlns:mc="http://schemas.openxmlformats.org/markup-compatibility/2006" xmlns:mv="urn:schemas-microsoft-com:mac:vml" xmlns:p="http://schemas.openxmlformats.org/presentationml/2006/main" xmlns:c="http://schemas.openxmlformats.org/drawingml/2006/chart" xmlns:dgm="http://schemas.openxmlformats.org/drawingml/2006/diagram" xmlns:o="urn:schemas-microsoft-com:office:office" xmlns:v="urn:schemas-microsoft-com:vml" xmlns:pvml="urn:schemas-microsoft-com:office:powerpoint" xmlns:com="http://schemas.openxmlformats.org/drawingml/2006/compatibility" xmlns:p14="http://schemas.microsoft.com/office/powerpoint/2010/main" showMasterPhAnim="0" showMasterSp="0">
   <p:cSld>
     <p:spTree>
       <p:nvGrpSpPr>
-        <p:cNvPr id="85" name="Shape 85"/>
+        <p:cNvPr id="79" name="Shape 79"/>
         <p:cNvGrpSpPr/>
         <p:nvPr/>
       </p:nvGrpSpPr>
@@ -1156,7 +1157,7 @@
       </p:grpSpPr>
       <p:sp>
         <p:nvSpPr>
-          <p:cNvPr id="86" name="Shape 86"/>
+          <p:cNvPr id="80" name="Shape 80"/>
           <p:cNvSpPr/>
           <p:nvPr>
             <p:ph idx="2" type="sldImg"/>
@@ -1200,7 +1201,7 @@
       </p:sp>
       <p:sp>
         <p:nvSpPr>
-          <p:cNvPr id="87" name="Shape 87"/>
+          <p:cNvPr id="81" name="Shape 81"/>
           <p:cNvSpPr txBox="1"/>
           <p:nvPr>
             <p:ph idx="1" type="body"/>
@@ -1242,12 +1243,12 @@
 </p:notes>
 </file>
 
-<file path=ppt/notesSlides/notesSlide6.xml><?xml version="1.0" encoding="utf-8"?>
+<file path=ppt/notesSlides/notesSlide5.xml><?xml version="1.0" encoding="utf-8"?>
 <p:notes xmlns:a="http://schemas.openxmlformats.org/drawingml/2006/main" xmlns:r="http://schemas.openxmlformats.org/officeDocument/2006/relationships" xmlns:mc="http://schemas.openxmlformats.org/markup-compatibility/2006" xmlns:mv="urn:schemas-microsoft-com:mac:vml" xmlns:p="http://schemas.openxmlformats.org/presentationml/2006/main" xmlns:c="http://schemas.openxmlformats.org/drawingml/2006/chart" xmlns:dgm="http://schemas.openxmlformats.org/drawingml/2006/diagram" xmlns:o="urn:schemas-microsoft-com:office:office" xmlns:v="urn:schemas-microsoft-com:vml" xmlns:pvml="urn:schemas-microsoft-com:office:powerpoint" xmlns:com="http://schemas.openxmlformats.org/drawingml/2006/compatibility" xmlns:p14="http://schemas.microsoft.com/office/powerpoint/2010/main" showMasterPhAnim="0" showMasterSp="0">
   <p:cSld>
     <p:spTree>
       <p:nvGrpSpPr>
-        <p:cNvPr id="92" name="Shape 92"/>
+        <p:cNvPr id="85" name="Shape 85"/>
         <p:cNvGrpSpPr/>
         <p:nvPr/>
       </p:nvGrpSpPr>
@@ -1261,7 +1262,7 @@
       </p:grpSpPr>
       <p:sp>
         <p:nvSpPr>
-          <p:cNvPr id="93" name="Shape 93"/>
+          <p:cNvPr id="86" name="Shape 86"/>
           <p:cNvSpPr/>
           <p:nvPr>
             <p:ph idx="2" type="sldImg"/>
@@ -1305,7 +1306,7 @@
       </p:sp>
       <p:sp>
         <p:nvSpPr>
-          <p:cNvPr id="94" name="Shape 94"/>
+          <p:cNvPr id="87" name="Shape 87"/>
           <p:cNvSpPr txBox="1"/>
           <p:nvPr>
             <p:ph idx="1" type="body"/>
@@ -1347,12 +1348,12 @@
 </p:notes>
 </file>
 
-<file path=ppt/notesSlides/notesSlide7.xml><?xml version="1.0" encoding="utf-8"?>
+<file path=ppt/notesSlides/notesSlide6.xml><?xml version="1.0" encoding="utf-8"?>
 <p:notes xmlns:a="http://schemas.openxmlformats.org/drawingml/2006/main" xmlns:r="http://schemas.openxmlformats.org/officeDocument/2006/relationships" xmlns:mc="http://schemas.openxmlformats.org/markup-compatibility/2006" xmlns:mv="urn:schemas-microsoft-com:mac:vml" xmlns:p="http://schemas.openxmlformats.org/presentationml/2006/main" xmlns:c="http://schemas.openxmlformats.org/drawingml/2006/chart" xmlns:dgm="http://schemas.openxmlformats.org/drawingml/2006/diagram" xmlns:o="urn:schemas-microsoft-com:office:office" xmlns:v="urn:schemas-microsoft-com:vml" xmlns:pvml="urn:schemas-microsoft-com:office:powerpoint" xmlns:com="http://schemas.openxmlformats.org/drawingml/2006/compatibility" xmlns:p14="http://schemas.microsoft.com/office/powerpoint/2010/main" showMasterPhAnim="0" showMasterSp="0">
   <p:cSld>
     <p:spTree>
       <p:nvGrpSpPr>
-        <p:cNvPr id="100" name="Shape 100"/>
+        <p:cNvPr id="92" name="Shape 92"/>
         <p:cNvGrpSpPr/>
         <p:nvPr/>
       </p:nvGrpSpPr>
@@ -1366,7 +1367,7 @@
       </p:grpSpPr>
       <p:sp>
         <p:nvSpPr>
-          <p:cNvPr id="101" name="Shape 101"/>
+          <p:cNvPr id="93" name="Shape 93"/>
           <p:cNvSpPr/>
           <p:nvPr>
             <p:ph idx="2" type="sldImg"/>
@@ -1410,7 +1411,7 @@
       </p:sp>
       <p:sp>
         <p:nvSpPr>
-          <p:cNvPr id="102" name="Shape 102"/>
+          <p:cNvPr id="94" name="Shape 94"/>
           <p:cNvSpPr txBox="1"/>
           <p:nvPr>
             <p:ph idx="1" type="body"/>
@@ -1452,12 +1453,12 @@
 </p:notes>
 </file>
 
-<file path=ppt/notesSlides/notesSlide8.xml><?xml version="1.0" encoding="utf-8"?>
+<file path=ppt/notesSlides/notesSlide7.xml><?xml version="1.0" encoding="utf-8"?>
 <p:notes xmlns:a="http://schemas.openxmlformats.org/drawingml/2006/main" xmlns:r="http://schemas.openxmlformats.org/officeDocument/2006/relationships" xmlns:mc="http://schemas.openxmlformats.org/markup-compatibility/2006" xmlns:mv="urn:schemas-microsoft-com:mac:vml" xmlns:p="http://schemas.openxmlformats.org/presentationml/2006/main" xmlns:c="http://schemas.openxmlformats.org/drawingml/2006/chart" xmlns:dgm="http://schemas.openxmlformats.org/drawingml/2006/diagram" xmlns:o="urn:schemas-microsoft-com:office:office" xmlns:v="urn:schemas-microsoft-com:vml" xmlns:pvml="urn:schemas-microsoft-com:office:powerpoint" xmlns:com="http://schemas.openxmlformats.org/drawingml/2006/compatibility" xmlns:p14="http://schemas.microsoft.com/office/powerpoint/2010/main" showMasterPhAnim="0" showMasterSp="0">
   <p:cSld>
     <p:spTree>
       <p:nvGrpSpPr>
-        <p:cNvPr id="108" name="Shape 108"/>
+        <p:cNvPr id="100" name="Shape 100"/>
         <p:cNvGrpSpPr/>
         <p:nvPr/>
       </p:nvGrpSpPr>
@@ -1471,7 +1472,7 @@
       </p:grpSpPr>
       <p:sp>
         <p:nvSpPr>
-          <p:cNvPr id="109" name="Shape 109"/>
+          <p:cNvPr id="101" name="Shape 101"/>
           <p:cNvSpPr/>
           <p:nvPr>
             <p:ph idx="2" type="sldImg"/>
@@ -1515,7 +1516,7 @@
       </p:sp>
       <p:sp>
         <p:nvSpPr>
-          <p:cNvPr id="110" name="Shape 110"/>
+          <p:cNvPr id="102" name="Shape 102"/>
           <p:cNvSpPr txBox="1"/>
           <p:nvPr>
             <p:ph idx="1" type="body"/>
@@ -1536,7 +1537,7 @@
           </a:bodyPr>
           <a:lstStyle/>
           <a:p>
-            <a:pPr lvl="0">
+            <a:pPr lvl="0" rtl="0">
               <a:spcBef>
                 <a:spcPts val="0"/>
               </a:spcBef>
@@ -1557,12 +1558,12 @@
 </p:notes>
 </file>
 
-<file path=ppt/notesSlides/notesSlide9.xml><?xml version="1.0" encoding="utf-8"?>
+<file path=ppt/notesSlides/notesSlide8.xml><?xml version="1.0" encoding="utf-8"?>
 <p:notes xmlns:a="http://schemas.openxmlformats.org/drawingml/2006/main" xmlns:r="http://schemas.openxmlformats.org/officeDocument/2006/relationships" xmlns:mc="http://schemas.openxmlformats.org/markup-compatibility/2006" xmlns:mv="urn:schemas-microsoft-com:mac:vml" xmlns:p="http://schemas.openxmlformats.org/presentationml/2006/main" xmlns:c="http://schemas.openxmlformats.org/drawingml/2006/chart" xmlns:dgm="http://schemas.openxmlformats.org/drawingml/2006/diagram" xmlns:o="urn:schemas-microsoft-com:office:office" xmlns:v="urn:schemas-microsoft-com:vml" xmlns:pvml="urn:schemas-microsoft-com:office:powerpoint" xmlns:com="http://schemas.openxmlformats.org/drawingml/2006/compatibility" xmlns:p14="http://schemas.microsoft.com/office/powerpoint/2010/main" showMasterPhAnim="0" showMasterSp="0">
   <p:cSld>
     <p:spTree>
       <p:nvGrpSpPr>
-        <p:cNvPr id="115" name="Shape 115"/>
+        <p:cNvPr id="114" name="Shape 114"/>
         <p:cNvGrpSpPr/>
         <p:nvPr/>
       </p:nvGrpSpPr>
@@ -1576,7 +1577,7 @@
       </p:grpSpPr>
       <p:sp>
         <p:nvSpPr>
-          <p:cNvPr id="116" name="Shape 116"/>
+          <p:cNvPr id="115" name="Shape 115"/>
           <p:cNvSpPr/>
           <p:nvPr>
             <p:ph idx="2" type="sldImg"/>
@@ -1620,7 +1621,112 @@
       </p:sp>
       <p:sp>
         <p:nvSpPr>
-          <p:cNvPr id="117" name="Shape 117"/>
+          <p:cNvPr id="116" name="Shape 116"/>
+          <p:cNvSpPr txBox="1"/>
+          <p:nvPr>
+            <p:ph idx="1" type="body"/>
+          </p:nvPr>
+        </p:nvSpPr>
+        <p:spPr>
+          <a:xfrm>
+            <a:off x="685800" y="4343400"/>
+            <a:ext cx="5486399" cy="4114800"/>
+          </a:xfrm>
+          <a:prstGeom prst="rect">
+            <a:avLst/>
+          </a:prstGeom>
+        </p:spPr>
+        <p:txBody>
+          <a:bodyPr anchorCtr="0" anchor="t" bIns="91425" lIns="91425" rIns="91425" tIns="91425">
+            <a:noAutofit/>
+          </a:bodyPr>
+          <a:lstStyle/>
+          <a:p>
+            <a:pPr lvl="0">
+              <a:spcBef>
+                <a:spcPts val="0"/>
+              </a:spcBef>
+              <a:buNone/>
+            </a:pPr>
+            <a:r>
+              <a:t/>
+            </a:r>
+            <a:endParaRPr/>
+          </a:p>
+        </p:txBody>
+      </p:sp>
+    </p:spTree>
+  </p:cSld>
+  <p:clrMapOvr>
+    <a:masterClrMapping/>
+  </p:clrMapOvr>
+</p:notes>
+</file>
+
+<file path=ppt/notesSlides/notesSlide9.xml><?xml version="1.0" encoding="utf-8"?>
+<p:notes xmlns:a="http://schemas.openxmlformats.org/drawingml/2006/main" xmlns:r="http://schemas.openxmlformats.org/officeDocument/2006/relationships" xmlns:mc="http://schemas.openxmlformats.org/markup-compatibility/2006" xmlns:mv="urn:schemas-microsoft-com:mac:vml" xmlns:p="http://schemas.openxmlformats.org/presentationml/2006/main" xmlns:c="http://schemas.openxmlformats.org/drawingml/2006/chart" xmlns:dgm="http://schemas.openxmlformats.org/drawingml/2006/diagram" xmlns:o="urn:schemas-microsoft-com:office:office" xmlns:v="urn:schemas-microsoft-com:vml" xmlns:pvml="urn:schemas-microsoft-com:office:powerpoint" xmlns:com="http://schemas.openxmlformats.org/drawingml/2006/compatibility" xmlns:p14="http://schemas.microsoft.com/office/powerpoint/2010/main" showMasterPhAnim="0" showMasterSp="0">
+  <p:cSld>
+    <p:spTree>
+      <p:nvGrpSpPr>
+        <p:cNvPr id="122" name="Shape 122"/>
+        <p:cNvGrpSpPr/>
+        <p:nvPr/>
+      </p:nvGrpSpPr>
+      <p:grpSpPr>
+        <a:xfrm>
+          <a:off x="0" y="0"/>
+          <a:ext cx="0" cy="0"/>
+          <a:chOff x="0" y="0"/>
+          <a:chExt cx="0" cy="0"/>
+        </a:xfrm>
+      </p:grpSpPr>
+      <p:sp>
+        <p:nvSpPr>
+          <p:cNvPr id="123" name="Shape 123"/>
+          <p:cNvSpPr/>
+          <p:nvPr>
+            <p:ph idx="2" type="sldImg"/>
+          </p:nvPr>
+        </p:nvSpPr>
+        <p:spPr>
+          <a:xfrm>
+            <a:off x="381300" y="685800"/>
+            <a:ext cx="6096000" cy="3429000"/>
+          </a:xfrm>
+          <a:custGeom>
+            <a:pathLst>
+              <a:path extrusionOk="0" h="120000" w="120000">
+                <a:moveTo>
+                  <a:pt x="0" y="0"/>
+                </a:moveTo>
+                <a:lnTo>
+                  <a:pt x="120000" y="0"/>
+                </a:lnTo>
+                <a:lnTo>
+                  <a:pt x="120000" y="120000"/>
+                </a:lnTo>
+                <a:lnTo>
+                  <a:pt x="0" y="120000"/>
+                </a:lnTo>
+                <a:close/>
+              </a:path>
+            </a:pathLst>
+          </a:custGeom>
+          <a:noFill/>
+          <a:ln cap="flat" cmpd="sng" w="9525">
+            <a:solidFill>
+              <a:srgbClr val="000000"/>
+            </a:solidFill>
+            <a:prstDash val="solid"/>
+            <a:round/>
+            <a:headEnd len="med" w="med" type="none"/>
+            <a:tailEnd len="med" w="med" type="none"/>
+          </a:ln>
+        </p:spPr>
+      </p:sp>
+      <p:sp>
+        <p:nvSpPr>
+          <p:cNvPr id="124" name="Shape 124"/>
           <p:cNvSpPr txBox="1"/>
           <p:nvPr>
             <p:ph idx="1" type="body"/>
@@ -5460,7 +5566,7 @@
   <p:cSld>
     <p:spTree>
       <p:nvGrpSpPr>
-        <p:cNvPr id="124" name="Shape 124"/>
+        <p:cNvPr id="132" name="Shape 132"/>
         <p:cNvGrpSpPr/>
         <p:nvPr/>
       </p:nvGrpSpPr>
@@ -5472,9 +5578,36 @@
           <a:chExt cx="0" cy="0"/>
         </a:xfrm>
       </p:grpSpPr>
-      <p:sp>
-        <p:nvSpPr>
-          <p:cNvPr id="125" name="Shape 125"/>
+      <p:pic>
+        <p:nvPicPr>
+          <p:cNvPr id="133" name="Shape 133"/>
+          <p:cNvPicPr preferRelativeResize="0"/>
+          <p:nvPr/>
+        </p:nvPicPr>
+        <p:blipFill rotWithShape="1">
+          <a:blip r:embed="rId3">
+            <a:alphaModFix/>
+          </a:blip>
+          <a:srcRect b="4437" l="0" r="0" t="3878"/>
+          <a:stretch/>
+        </p:blipFill>
+        <p:spPr>
+          <a:xfrm>
+            <a:off x="1009225" y="1208100"/>
+            <a:ext cx="7125550" cy="3580924"/>
+          </a:xfrm>
+          <a:prstGeom prst="rect">
+            <a:avLst/>
+          </a:prstGeom>
+          <a:noFill/>
+          <a:ln>
+            <a:noFill/>
+          </a:ln>
+        </p:spPr>
+      </p:pic>
+      <p:sp>
+        <p:nvSpPr>
+          <p:cNvPr id="134" name="Shape 134"/>
           <p:cNvSpPr txBox="1"/>
           <p:nvPr>
             <p:ph idx="4294967295" type="subTitle"/>
@@ -5482,8 +5615,8 @@
         </p:nvSpPr>
         <p:spPr>
           <a:xfrm>
-            <a:off x="515775" y="804524"/>
-            <a:ext cx="4045199" cy="704399"/>
+            <a:off x="928775" y="361500"/>
+            <a:ext cx="3089400" cy="491700"/>
           </a:xfrm>
           <a:prstGeom prst="rect">
             <a:avLst/>
@@ -5507,171 +5640,7 @@
             </a:pPr>
             <a:r>
               <a:rPr lang="en" sz="2400"/>
-              <a:t>Client Code</a:t>
-            </a:r>
-          </a:p>
-        </p:txBody>
-      </p:sp>
-      <p:pic>
-        <p:nvPicPr>
-          <p:cNvPr id="126" name="Shape 126"/>
-          <p:cNvPicPr preferRelativeResize="0"/>
-          <p:nvPr/>
-        </p:nvPicPr>
-        <p:blipFill>
-          <a:blip r:embed="rId3">
-            <a:alphaModFix/>
-          </a:blip>
-          <a:stretch>
-            <a:fillRect/>
-          </a:stretch>
-        </p:blipFill>
-        <p:spPr>
-          <a:xfrm>
-            <a:off x="3016575" y="524900"/>
-            <a:ext cx="5622824" cy="2032558"/>
-          </a:xfrm>
-          <a:prstGeom prst="rect">
-            <a:avLst/>
-          </a:prstGeom>
-          <a:noFill/>
-          <a:ln>
-            <a:noFill/>
-          </a:ln>
-        </p:spPr>
-      </p:pic>
-      <p:pic>
-        <p:nvPicPr>
-          <p:cNvPr id="127" name="Shape 127"/>
-          <p:cNvPicPr preferRelativeResize="0"/>
-          <p:nvPr/>
-        </p:nvPicPr>
-        <p:blipFill>
-          <a:blip r:embed="rId4">
-            <a:alphaModFix/>
-          </a:blip>
-          <a:stretch>
-            <a:fillRect/>
-          </a:stretch>
-        </p:blipFill>
-        <p:spPr>
-          <a:xfrm>
-            <a:off x="5606750" y="3126825"/>
-            <a:ext cx="3032649" cy="1719999"/>
-          </a:xfrm>
-          <a:prstGeom prst="rect">
-            <a:avLst/>
-          </a:prstGeom>
-          <a:noFill/>
-          <a:ln>
-            <a:noFill/>
-          </a:ln>
-        </p:spPr>
-      </p:pic>
-      <p:pic>
-        <p:nvPicPr>
-          <p:cNvPr id="128" name="Shape 128"/>
-          <p:cNvPicPr preferRelativeResize="0"/>
-          <p:nvPr/>
-        </p:nvPicPr>
-        <p:blipFill>
-          <a:blip r:embed="rId5">
-            <a:alphaModFix/>
-          </a:blip>
-          <a:stretch>
-            <a:fillRect/>
-          </a:stretch>
-        </p:blipFill>
-        <p:spPr>
-          <a:xfrm>
-            <a:off x="515775" y="2985037"/>
-            <a:ext cx="3443849" cy="1861775"/>
-          </a:xfrm>
-          <a:prstGeom prst="rect">
-            <a:avLst/>
-          </a:prstGeom>
-          <a:noFill/>
-          <a:ln>
-            <a:noFill/>
-          </a:ln>
-        </p:spPr>
-      </p:pic>
-      <p:sp>
-        <p:nvSpPr>
-          <p:cNvPr id="129" name="Shape 129"/>
-          <p:cNvSpPr txBox="1"/>
-          <p:nvPr>
-            <p:ph idx="4294967295" type="subTitle"/>
-          </p:nvPr>
-        </p:nvSpPr>
-        <p:spPr>
-          <a:xfrm>
-            <a:off x="3016575" y="100124"/>
-            <a:ext cx="4045199" cy="704399"/>
-          </a:xfrm>
-          <a:prstGeom prst="rect">
-            <a:avLst/>
-          </a:prstGeom>
-          <a:noFill/>
-          <a:ln>
-            <a:noFill/>
-          </a:ln>
-        </p:spPr>
-        <p:txBody>
-          <a:bodyPr anchorCtr="0" anchor="t" bIns="91425" lIns="91425" rIns="91425" tIns="91425">
-            <a:noAutofit/>
-          </a:bodyPr>
-          <a:lstStyle/>
-          <a:p>
-            <a:pPr lvl="0" rtl="0">
-              <a:spcBef>
-                <a:spcPts val="0"/>
-              </a:spcBef>
-              <a:buNone/>
-            </a:pPr>
-            <a:r>
-              <a:rPr lang="en"/>
-              <a:t>Download</a:t>
-            </a:r>
-          </a:p>
-        </p:txBody>
-      </p:sp>
-      <p:sp>
-        <p:nvSpPr>
-          <p:cNvPr id="130" name="Shape 130"/>
-          <p:cNvSpPr txBox="1"/>
-          <p:nvPr>
-            <p:ph idx="4294967295" type="subTitle"/>
-          </p:nvPr>
-        </p:nvSpPr>
-        <p:spPr>
-          <a:xfrm>
-            <a:off x="440675" y="2353624"/>
-            <a:ext cx="4045199" cy="704399"/>
-          </a:xfrm>
-          <a:prstGeom prst="rect">
-            <a:avLst/>
-          </a:prstGeom>
-          <a:noFill/>
-          <a:ln>
-            <a:noFill/>
-          </a:ln>
-        </p:spPr>
-        <p:txBody>
-          <a:bodyPr anchorCtr="0" anchor="t" bIns="91425" lIns="91425" rIns="91425" tIns="91425">
-            <a:noAutofit/>
-          </a:bodyPr>
-          <a:lstStyle/>
-          <a:p>
-            <a:pPr lvl="0" rtl="0">
-              <a:spcBef>
-                <a:spcPts val="0"/>
-              </a:spcBef>
-              <a:buNone/>
-            </a:pPr>
-            <a:r>
-              <a:rPr lang="en"/>
-              <a:t>Upload</a:t>
+              <a:t>Server Code</a:t>
             </a:r>
           </a:p>
         </p:txBody>
@@ -5692,7 +5661,7 @@
   <p:cSld>
     <p:spTree>
       <p:nvGrpSpPr>
-        <p:cNvPr id="134" name="Shape 134"/>
+        <p:cNvPr id="138" name="Shape 138"/>
         <p:cNvGrpSpPr/>
         <p:nvPr/>
       </p:nvGrpSpPr>
@@ -5706,7 +5675,7 @@
       </p:grpSpPr>
       <p:sp>
         <p:nvSpPr>
-          <p:cNvPr id="135" name="Shape 135"/>
+          <p:cNvPr id="139" name="Shape 139"/>
           <p:cNvSpPr txBox="1"/>
           <p:nvPr>
             <p:ph idx="4294967295" type="subTitle"/>
@@ -5714,7 +5683,7 @@
         </p:nvSpPr>
         <p:spPr>
           <a:xfrm>
-            <a:off x="853700" y="549224"/>
+            <a:off x="515775" y="804524"/>
             <a:ext cx="4045199" cy="704399"/>
           </a:xfrm>
           <a:prstGeom prst="rect">
@@ -5739,14 +5708,98 @@
             </a:pPr>
             <a:r>
               <a:rPr lang="en" sz="2400"/>
-              <a:t>Conclusion</a:t>
+              <a:t>Client Code</a:t>
             </a:r>
           </a:p>
         </p:txBody>
       </p:sp>
-      <p:sp>
-        <p:nvSpPr>
-          <p:cNvPr id="136" name="Shape 136"/>
+      <p:pic>
+        <p:nvPicPr>
+          <p:cNvPr id="140" name="Shape 140"/>
+          <p:cNvPicPr preferRelativeResize="0"/>
+          <p:nvPr/>
+        </p:nvPicPr>
+        <p:blipFill>
+          <a:blip r:embed="rId3">
+            <a:alphaModFix/>
+          </a:blip>
+          <a:stretch>
+            <a:fillRect/>
+          </a:stretch>
+        </p:blipFill>
+        <p:spPr>
+          <a:xfrm>
+            <a:off x="3016575" y="524900"/>
+            <a:ext cx="5622824" cy="2032558"/>
+          </a:xfrm>
+          <a:prstGeom prst="rect">
+            <a:avLst/>
+          </a:prstGeom>
+          <a:noFill/>
+          <a:ln>
+            <a:noFill/>
+          </a:ln>
+        </p:spPr>
+      </p:pic>
+      <p:pic>
+        <p:nvPicPr>
+          <p:cNvPr id="141" name="Shape 141"/>
+          <p:cNvPicPr preferRelativeResize="0"/>
+          <p:nvPr/>
+        </p:nvPicPr>
+        <p:blipFill>
+          <a:blip r:embed="rId4">
+            <a:alphaModFix/>
+          </a:blip>
+          <a:stretch>
+            <a:fillRect/>
+          </a:stretch>
+        </p:blipFill>
+        <p:spPr>
+          <a:xfrm>
+            <a:off x="5606750" y="3126825"/>
+            <a:ext cx="3032649" cy="1719999"/>
+          </a:xfrm>
+          <a:prstGeom prst="rect">
+            <a:avLst/>
+          </a:prstGeom>
+          <a:noFill/>
+          <a:ln>
+            <a:noFill/>
+          </a:ln>
+        </p:spPr>
+      </p:pic>
+      <p:pic>
+        <p:nvPicPr>
+          <p:cNvPr id="142" name="Shape 142"/>
+          <p:cNvPicPr preferRelativeResize="0"/>
+          <p:nvPr/>
+        </p:nvPicPr>
+        <p:blipFill>
+          <a:blip r:embed="rId5">
+            <a:alphaModFix/>
+          </a:blip>
+          <a:stretch>
+            <a:fillRect/>
+          </a:stretch>
+        </p:blipFill>
+        <p:spPr>
+          <a:xfrm>
+            <a:off x="515775" y="2985037"/>
+            <a:ext cx="3443849" cy="1861775"/>
+          </a:xfrm>
+          <a:prstGeom prst="rect">
+            <a:avLst/>
+          </a:prstGeom>
+          <a:noFill/>
+          <a:ln>
+            <a:noFill/>
+          </a:ln>
+        </p:spPr>
+      </p:pic>
+      <p:sp>
+        <p:nvSpPr>
+          <p:cNvPr id="143" name="Shape 143"/>
           <p:cNvSpPr txBox="1"/>
           <p:nvPr>
             <p:ph idx="4294967295" type="subTitle"/>
@@ -5754,8 +5807,8 @@
         </p:nvSpPr>
         <p:spPr>
           <a:xfrm>
-            <a:off x="1202450" y="1441275"/>
-            <a:ext cx="6595200" cy="2765699"/>
+            <a:off x="3016575" y="100124"/>
+            <a:ext cx="4045199" cy="704399"/>
           </a:xfrm>
           <a:prstGeom prst="rect">
             <a:avLst/>
@@ -5779,9 +5832,37 @@
             </a:pPr>
             <a:r>
               <a:rPr lang="en"/>
-              <a:t>Creating this application gave us more exposure to computer networks by interacting with sockets and data transactions. Working with sockets taught us how other applications could interact with remote servers by sending and receiving data. </a:t>
+              <a:t>Download</a:t>
             </a:r>
           </a:p>
+        </p:txBody>
+      </p:sp>
+      <p:sp>
+        <p:nvSpPr>
+          <p:cNvPr id="144" name="Shape 144"/>
+          <p:cNvSpPr txBox="1"/>
+          <p:nvPr>
+            <p:ph idx="4294967295" type="subTitle"/>
+          </p:nvPr>
+        </p:nvSpPr>
+        <p:spPr>
+          <a:xfrm>
+            <a:off x="440675" y="2353624"/>
+            <a:ext cx="4045199" cy="704399"/>
+          </a:xfrm>
+          <a:prstGeom prst="rect">
+            <a:avLst/>
+          </a:prstGeom>
+          <a:noFill/>
+          <a:ln>
+            <a:noFill/>
+          </a:ln>
+        </p:spPr>
+        <p:txBody>
+          <a:bodyPr anchorCtr="0" anchor="t" bIns="91425" lIns="91425" rIns="91425" tIns="91425">
+            <a:noAutofit/>
+          </a:bodyPr>
+          <a:lstStyle/>
           <a:p>
             <a:pPr lvl="0" rtl="0">
               <a:spcBef>
@@ -5791,7 +5872,7 @@
             </a:pPr>
             <a:r>
               <a:rPr lang="en"/>
-              <a:t>We experienced how physical media affected network connection transmission rate such as wireless v.s. wired connections. </a:t>
+              <a:t>Upload</a:t>
             </a:r>
           </a:p>
         </p:txBody>
@@ -5812,7 +5893,7 @@
   <p:cSld>
     <p:spTree>
       <p:nvGrpSpPr>
-        <p:cNvPr id="140" name="Shape 140"/>
+        <p:cNvPr id="148" name="Shape 148"/>
         <p:cNvGrpSpPr/>
         <p:nvPr/>
       </p:nvGrpSpPr>
@@ -5826,7 +5907,127 @@
       </p:grpSpPr>
       <p:sp>
         <p:nvSpPr>
-          <p:cNvPr id="141" name="Shape 141"/>
+          <p:cNvPr id="149" name="Shape 149"/>
+          <p:cNvSpPr txBox="1"/>
+          <p:nvPr>
+            <p:ph idx="4294967295" type="subTitle"/>
+          </p:nvPr>
+        </p:nvSpPr>
+        <p:spPr>
+          <a:xfrm>
+            <a:off x="853700" y="549224"/>
+            <a:ext cx="4045199" cy="704399"/>
+          </a:xfrm>
+          <a:prstGeom prst="rect">
+            <a:avLst/>
+          </a:prstGeom>
+          <a:noFill/>
+          <a:ln>
+            <a:noFill/>
+          </a:ln>
+        </p:spPr>
+        <p:txBody>
+          <a:bodyPr anchorCtr="0" anchor="t" bIns="91425" lIns="91425" rIns="91425" tIns="91425">
+            <a:noAutofit/>
+          </a:bodyPr>
+          <a:lstStyle/>
+          <a:p>
+            <a:pPr lvl="0" rtl="0">
+              <a:spcBef>
+                <a:spcPts val="0"/>
+              </a:spcBef>
+              <a:buNone/>
+            </a:pPr>
+            <a:r>
+              <a:rPr lang="en" sz="2400"/>
+              <a:t>Conclusion</a:t>
+            </a:r>
+          </a:p>
+        </p:txBody>
+      </p:sp>
+      <p:sp>
+        <p:nvSpPr>
+          <p:cNvPr id="150" name="Shape 150"/>
+          <p:cNvSpPr txBox="1"/>
+          <p:nvPr>
+            <p:ph idx="4294967295" type="subTitle"/>
+          </p:nvPr>
+        </p:nvSpPr>
+        <p:spPr>
+          <a:xfrm>
+            <a:off x="1202450" y="1441275"/>
+            <a:ext cx="6595200" cy="2765699"/>
+          </a:xfrm>
+          <a:prstGeom prst="rect">
+            <a:avLst/>
+          </a:prstGeom>
+          <a:noFill/>
+          <a:ln>
+            <a:noFill/>
+          </a:ln>
+        </p:spPr>
+        <p:txBody>
+          <a:bodyPr anchorCtr="0" anchor="t" bIns="91425" lIns="91425" rIns="91425" tIns="91425">
+            <a:noAutofit/>
+          </a:bodyPr>
+          <a:lstStyle/>
+          <a:p>
+            <a:pPr lvl="0" rtl="0">
+              <a:spcBef>
+                <a:spcPts val="0"/>
+              </a:spcBef>
+              <a:buNone/>
+            </a:pPr>
+            <a:r>
+              <a:rPr lang="en"/>
+              <a:t>Creating this application gave us more exposure to computer networks by interacting with sockets and data transactions. Working with sockets taught us how other applications could interact with remote servers by sending and receiving data. </a:t>
+            </a:r>
+          </a:p>
+          <a:p>
+            <a:pPr lvl="0" rtl="0">
+              <a:spcBef>
+                <a:spcPts val="0"/>
+              </a:spcBef>
+              <a:buNone/>
+            </a:pPr>
+            <a:r>
+              <a:rPr lang="en"/>
+              <a:t>We experienced how physical media affected network connection transmission rate such as wireless v.s. wired connections. </a:t>
+            </a:r>
+          </a:p>
+        </p:txBody>
+      </p:sp>
+    </p:spTree>
+  </p:cSld>
+  <p:clrMapOvr>
+    <a:masterClrMapping/>
+  </p:clrMapOvr>
+  <p:transition spd="slow">
+    <p:cut/>
+  </p:transition>
+</p:sld>
+</file>
+
+<file path=ppt/slides/slide13.xml><?xml version="1.0" encoding="utf-8"?>
+<p:sld xmlns:a="http://schemas.openxmlformats.org/drawingml/2006/main" xmlns:r="http://schemas.openxmlformats.org/officeDocument/2006/relationships" xmlns:mc="http://schemas.openxmlformats.org/markup-compatibility/2006" xmlns:mv="urn:schemas-microsoft-com:mac:vml" xmlns:p="http://schemas.openxmlformats.org/presentationml/2006/main" xmlns:c="http://schemas.openxmlformats.org/drawingml/2006/chart" xmlns:dgm="http://schemas.openxmlformats.org/drawingml/2006/diagram" xmlns:o="urn:schemas-microsoft-com:office:office" xmlns:v="urn:schemas-microsoft-com:vml" xmlns:pvml="urn:schemas-microsoft-com:office:powerpoint" xmlns:com="http://schemas.openxmlformats.org/drawingml/2006/compatibility" xmlns:p14="http://schemas.microsoft.com/office/powerpoint/2010/main">
+  <p:cSld>
+    <p:spTree>
+      <p:nvGrpSpPr>
+        <p:cNvPr id="154" name="Shape 154"/>
+        <p:cNvGrpSpPr/>
+        <p:nvPr/>
+      </p:nvGrpSpPr>
+      <p:grpSpPr>
+        <a:xfrm>
+          <a:off x="0" y="0"/>
+          <a:ext cx="0" cy="0"/>
+          <a:chOff x="0" y="0"/>
+          <a:chExt cx="0" cy="0"/>
+        </a:xfrm>
+      </p:grpSpPr>
+      <p:sp>
+        <p:nvSpPr>
+          <p:cNvPr id="155" name="Shape 155"/>
           <p:cNvSpPr txBox="1"/>
           <p:nvPr>
             <p:ph type="title"/>
@@ -6976,44 +7177,8 @@
         </p:nvSpPr>
         <p:spPr>
           <a:xfrm>
-            <a:off x="265500" y="1081400"/>
-            <a:ext cx="4045199" cy="1089600"/>
-          </a:xfrm>
-          <a:prstGeom prst="rect">
-            <a:avLst/>
-          </a:prstGeom>
-        </p:spPr>
-        <p:txBody>
-          <a:bodyPr anchorCtr="0" anchor="b" bIns="91425" lIns="91425" rIns="91425" tIns="91425">
-            <a:noAutofit/>
-          </a:bodyPr>
-          <a:lstStyle/>
-          <a:p>
-            <a:pPr lvl="0">
-              <a:spcBef>
-                <a:spcPts val="0"/>
-              </a:spcBef>
-              <a:buNone/>
-            </a:pPr>
-            <a:r>
-              <a:rPr lang="en"/>
-              <a:t>Design Overview</a:t>
-            </a:r>
-          </a:p>
-        </p:txBody>
-      </p:sp>
-      <p:sp>
-        <p:nvSpPr>
-          <p:cNvPr id="105" name="Shape 105"/>
-          <p:cNvSpPr txBox="1"/>
-          <p:nvPr>
-            <p:ph idx="1" type="subTitle"/>
-          </p:nvPr>
-        </p:nvSpPr>
-        <p:spPr>
-          <a:xfrm>
-            <a:off x="265500" y="2589099"/>
-            <a:ext cx="4045199" cy="2554499"/>
+            <a:off x="311700" y="372675"/>
+            <a:ext cx="8520599" cy="572699"/>
           </a:xfrm>
           <a:prstGeom prst="rect">
             <a:avLst/>
@@ -7025,58 +7190,22 @@
           </a:bodyPr>
           <a:lstStyle/>
           <a:p>
-            <a:pPr indent="-228600" lvl="0" marL="457200" rtl="0">
-              <a:spcBef>
-                <a:spcPts val="0"/>
-              </a:spcBef>
-              <a:buAutoNum type="arabicPeriod"/>
+            <a:pPr lvl="0" rtl="0">
+              <a:spcBef>
+                <a:spcPts val="0"/>
+              </a:spcBef>
+              <a:buNone/>
             </a:pPr>
             <a:r>
               <a:rPr lang="en"/>
-              <a:t>Connection is created</a:t>
-            </a:r>
-          </a:p>
-          <a:p>
-            <a:pPr indent="-228600" lvl="0" marL="457200" rtl="0">
-              <a:spcBef>
-                <a:spcPts val="0"/>
-              </a:spcBef>
-              <a:buAutoNum type="arabicPeriod"/>
-            </a:pPr>
-            <a:r>
-              <a:rPr lang="en"/>
-              <a:t>Data is sent from server and received by client</a:t>
-            </a:r>
-          </a:p>
-          <a:p>
-            <a:pPr indent="-228600" lvl="0" marL="457200" rtl="0">
-              <a:spcBef>
-                <a:spcPts val="0"/>
-              </a:spcBef>
-              <a:buAutoNum type="arabicPeriod"/>
-            </a:pPr>
-            <a:r>
-              <a:rPr lang="en"/>
-              <a:t>Data is sent from Client to Server</a:t>
-            </a:r>
-          </a:p>
-          <a:p>
-            <a:pPr indent="-228600" lvl="0" marL="457200" rtl="0">
-              <a:spcBef>
-                <a:spcPts val="0"/>
-              </a:spcBef>
-              <a:buAutoNum type="arabicPeriod"/>
-            </a:pPr>
-            <a:r>
-              <a:rPr lang="en"/>
-              <a:t>Speeds are recorded</a:t>
+              <a:t>Interface</a:t>
             </a:r>
           </a:p>
         </p:txBody>
       </p:sp>
       <p:pic>
         <p:nvPicPr>
-          <p:cNvPr id="106" name="Shape 106"/>
+          <p:cNvPr id="105" name="Shape 105"/>
           <p:cNvPicPr preferRelativeResize="0"/>
           <p:nvPr/>
         </p:nvPicPr>
@@ -7090,8 +7219,8 @@
         </p:blipFill>
         <p:spPr>
           <a:xfrm>
-            <a:off x="3683475" y="-150175"/>
-            <a:ext cx="6858000" cy="5143500"/>
+            <a:off x="478099" y="3275375"/>
+            <a:ext cx="3825425" cy="2331150"/>
           </a:xfrm>
           <a:prstGeom prst="rect">
             <a:avLst/>
@@ -7102,22 +7231,163 @@
           </a:ln>
         </p:spPr>
       </p:pic>
+      <p:pic>
+        <p:nvPicPr>
+          <p:cNvPr id="106" name="Shape 106"/>
+          <p:cNvPicPr preferRelativeResize="0"/>
+          <p:nvPr/>
+        </p:nvPicPr>
+        <p:blipFill>
+          <a:blip r:embed="rId4">
+            <a:alphaModFix/>
+          </a:blip>
+          <a:stretch>
+            <a:fillRect/>
+          </a:stretch>
+        </p:blipFill>
+        <p:spPr>
+          <a:xfrm>
+            <a:off x="4825175" y="682169"/>
+            <a:ext cx="4162950" cy="3051830"/>
+          </a:xfrm>
+          <a:prstGeom prst="rect">
+            <a:avLst/>
+          </a:prstGeom>
+          <a:noFill/>
+          <a:ln>
+            <a:noFill/>
+          </a:ln>
+        </p:spPr>
+      </p:pic>
       <p:sp>
         <p:nvSpPr>
           <p:cNvPr id="107" name="Shape 107"/>
           <p:cNvSpPr txBox="1"/>
           <p:nvPr>
+            <p:ph idx="1" type="body"/>
+          </p:nvPr>
+        </p:nvSpPr>
+        <p:spPr>
+          <a:xfrm>
+            <a:off x="391725" y="3054112"/>
+            <a:ext cx="3117000" cy="393299"/>
+          </a:xfrm>
+          <a:prstGeom prst="rect">
+            <a:avLst/>
+          </a:prstGeom>
+        </p:spPr>
+        <p:txBody>
+          <a:bodyPr anchorCtr="0" anchor="t" bIns="91425" lIns="91425" rIns="91425" tIns="91425">
+            <a:noAutofit/>
+          </a:bodyPr>
+          <a:lstStyle/>
+          <a:p>
+            <a:pPr lvl="0" rtl="0">
+              <a:spcBef>
+                <a:spcPts val="0"/>
+              </a:spcBef>
+              <a:buNone/>
+            </a:pPr>
+            <a:r>
+              <a:rPr lang="en" sz="1600"/>
+              <a:t>Server</a:t>
+            </a:r>
+          </a:p>
+        </p:txBody>
+      </p:sp>
+      <p:sp>
+        <p:nvSpPr>
+          <p:cNvPr id="108" name="Shape 108"/>
+          <p:cNvSpPr txBox="1"/>
+          <p:nvPr>
             <p:ph idx="2" type="body"/>
           </p:nvPr>
         </p:nvSpPr>
         <p:spPr>
           <a:xfrm>
-            <a:off x="4939500" y="3018100"/>
-            <a:ext cx="3837000" cy="1401299"/>
-          </a:xfrm>
-          <a:prstGeom prst="rect">
-            <a:avLst/>
-          </a:prstGeom>
+            <a:off x="5013275" y="289350"/>
+            <a:ext cx="3233700" cy="520800"/>
+          </a:xfrm>
+          <a:prstGeom prst="rect">
+            <a:avLst/>
+          </a:prstGeom>
+        </p:spPr>
+        <p:txBody>
+          <a:bodyPr anchorCtr="0" anchor="t" bIns="91425" lIns="91425" rIns="91425" tIns="91425">
+            <a:noAutofit/>
+          </a:bodyPr>
+          <a:lstStyle/>
+          <a:p>
+            <a:pPr lvl="0" rtl="0">
+              <a:spcBef>
+                <a:spcPts val="0"/>
+              </a:spcBef>
+              <a:buNone/>
+            </a:pPr>
+            <a:r>
+              <a:rPr lang="en" sz="1600"/>
+              <a:t>Client</a:t>
+            </a:r>
+          </a:p>
+        </p:txBody>
+      </p:sp>
+      <p:pic>
+        <p:nvPicPr>
+          <p:cNvPr id="109" name="Shape 109"/>
+          <p:cNvPicPr preferRelativeResize="0"/>
+          <p:nvPr/>
+        </p:nvPicPr>
+        <p:blipFill>
+          <a:blip r:embed="rId5">
+            <a:alphaModFix/>
+          </a:blip>
+          <a:stretch>
+            <a:fillRect/>
+          </a:stretch>
+        </p:blipFill>
+        <p:spPr>
+          <a:xfrm>
+            <a:off x="5013275" y="2554670"/>
+            <a:ext cx="4162950" cy="3051854"/>
+          </a:xfrm>
+          <a:prstGeom prst="rect">
+            <a:avLst/>
+          </a:prstGeom>
+          <a:noFill/>
+          <a:ln>
+            <a:noFill/>
+          </a:ln>
+        </p:spPr>
+      </p:pic>
+      <p:sp>
+        <p:nvSpPr>
+          <p:cNvPr id="110" name="Shape 110"/>
+          <p:cNvSpPr/>
+          <p:nvPr/>
+        </p:nvSpPr>
+        <p:spPr>
+          <a:xfrm>
+            <a:off x="5932025" y="2472825"/>
+            <a:ext cx="434100" cy="572699"/>
+          </a:xfrm>
+          <a:prstGeom prst="downArrow">
+            <a:avLst>
+              <a:gd fmla="val 50000" name="adj1"/>
+              <a:gd fmla="val 50000" name="adj2"/>
+            </a:avLst>
+          </a:prstGeom>
+          <a:solidFill>
+            <a:srgbClr val="FF0000"/>
+          </a:solidFill>
+          <a:ln cap="flat" cmpd="sng" w="9525">
+            <a:solidFill>
+              <a:schemeClr val="dk2"/>
+            </a:solidFill>
+            <a:prstDash val="solid"/>
+            <a:round/>
+            <a:headEnd len="med" w="med" type="none"/>
+            <a:tailEnd len="med" w="med" type="none"/>
+          </a:ln>
         </p:spPr>
         <p:txBody>
           <a:bodyPr anchorCtr="0" anchor="ctr" bIns="91425" lIns="91425" rIns="91425" tIns="91425">
@@ -7125,16 +7395,142 @@
           </a:bodyPr>
           <a:lstStyle/>
           <a:p>
-            <a:pPr lvl="0" rtl="0">
+            <a:pPr lvl="0">
               <a:spcBef>
                 <a:spcPts val="0"/>
               </a:spcBef>
               <a:buNone/>
             </a:pPr>
             <a:r>
-              <a:rPr lang="en"/>
-              <a:t>Client-Server connection used in Speed Jester</a:t>
+              <a:t/>
             </a:r>
+            <a:endParaRPr/>
+          </a:p>
+        </p:txBody>
+      </p:sp>
+      <p:pic>
+        <p:nvPicPr>
+          <p:cNvPr id="111" name="Shape 111"/>
+          <p:cNvPicPr preferRelativeResize="0"/>
+          <p:nvPr/>
+        </p:nvPicPr>
+        <p:blipFill>
+          <a:blip r:embed="rId6">
+            <a:alphaModFix/>
+          </a:blip>
+          <a:stretch>
+            <a:fillRect/>
+          </a:stretch>
+        </p:blipFill>
+        <p:spPr>
+          <a:xfrm>
+            <a:off x="611275" y="827923"/>
+            <a:ext cx="3461598" cy="2447449"/>
+          </a:xfrm>
+          <a:prstGeom prst="rect">
+            <a:avLst/>
+          </a:prstGeom>
+          <a:noFill/>
+          <a:ln>
+            <a:noFill/>
+          </a:ln>
+        </p:spPr>
+      </p:pic>
+      <p:sp>
+        <p:nvSpPr>
+          <p:cNvPr id="112" name="Shape 112"/>
+          <p:cNvSpPr/>
+          <p:nvPr/>
+        </p:nvSpPr>
+        <p:spPr>
+          <a:xfrm>
+            <a:off x="4166875" y="1692800"/>
+            <a:ext cx="564299" cy="393299"/>
+          </a:xfrm>
+          <a:prstGeom prst="rightArrow">
+            <a:avLst>
+              <a:gd fmla="val 50000" name="adj1"/>
+              <a:gd fmla="val 50000" name="adj2"/>
+            </a:avLst>
+          </a:prstGeom>
+          <a:solidFill>
+            <a:schemeClr val="lt2"/>
+          </a:solidFill>
+          <a:ln cap="flat" cmpd="sng" w="9525">
+            <a:solidFill>
+              <a:schemeClr val="dk2"/>
+            </a:solidFill>
+            <a:prstDash val="solid"/>
+            <a:round/>
+            <a:headEnd len="med" w="med" type="none"/>
+            <a:tailEnd len="med" w="med" type="none"/>
+          </a:ln>
+        </p:spPr>
+        <p:txBody>
+          <a:bodyPr anchorCtr="0" anchor="ctr" bIns="91425" lIns="91425" rIns="91425" tIns="91425">
+            <a:noAutofit/>
+          </a:bodyPr>
+          <a:lstStyle/>
+          <a:p>
+            <a:pPr lvl="0">
+              <a:spcBef>
+                <a:spcPts val="0"/>
+              </a:spcBef>
+              <a:buNone/>
+            </a:pPr>
+            <a:r>
+              <a:t/>
+            </a:r>
+            <a:endParaRPr/>
+          </a:p>
+        </p:txBody>
+      </p:sp>
+      <p:sp>
+        <p:nvSpPr>
+          <p:cNvPr id="113" name="Shape 113"/>
+          <p:cNvSpPr/>
+          <p:nvPr/>
+        </p:nvSpPr>
+        <p:spPr>
+          <a:xfrm rot="5400000">
+            <a:off x="2108662" y="2966474"/>
+            <a:ext cx="564299" cy="393299"/>
+          </a:xfrm>
+          <a:prstGeom prst="rightArrow">
+            <a:avLst>
+              <a:gd fmla="val 50000" name="adj1"/>
+              <a:gd fmla="val 50000" name="adj2"/>
+            </a:avLst>
+          </a:prstGeom>
+          <a:solidFill>
+            <a:schemeClr val="lt2"/>
+          </a:solidFill>
+          <a:ln cap="flat" cmpd="sng" w="9525">
+            <a:solidFill>
+              <a:schemeClr val="dk2"/>
+            </a:solidFill>
+            <a:prstDash val="solid"/>
+            <a:round/>
+            <a:headEnd len="med" w="med" type="none"/>
+            <a:tailEnd len="med" w="med" type="none"/>
+          </a:ln>
+        </p:spPr>
+        <p:txBody>
+          <a:bodyPr anchorCtr="0" anchor="ctr" bIns="91425" lIns="91425" rIns="91425" tIns="91425">
+            <a:noAutofit/>
+          </a:bodyPr>
+          <a:lstStyle/>
+          <a:p>
+            <a:pPr lvl="0">
+              <a:spcBef>
+                <a:spcPts val="0"/>
+              </a:spcBef>
+              <a:buNone/>
+            </a:pPr>
+            <a:r>
+              <a:t/>
+            </a:r>
+            <a:endParaRPr/>
           </a:p>
         </p:txBody>
       </p:sp>
@@ -7154,7 +7550,7 @@
   <p:cSld>
     <p:spTree>
       <p:nvGrpSpPr>
-        <p:cNvPr id="111" name="Shape 111"/>
+        <p:cNvPr id="117" name="Shape 117"/>
         <p:cNvGrpSpPr/>
         <p:nvPr/>
       </p:nvGrpSpPr>
@@ -7168,16 +7564,52 @@
       </p:grpSpPr>
       <p:sp>
         <p:nvSpPr>
-          <p:cNvPr id="112" name="Shape 112"/>
+          <p:cNvPr id="118" name="Shape 118"/>
           <p:cNvSpPr txBox="1"/>
           <p:nvPr>
-            <p:ph idx="1" type="body"/>
-          </p:nvPr>
-        </p:nvSpPr>
-        <p:spPr>
-          <a:xfrm>
-            <a:off x="758975" y="1938950"/>
-            <a:ext cx="6466499" cy="1510800"/>
+            <p:ph type="title"/>
+          </p:nvPr>
+        </p:nvSpPr>
+        <p:spPr>
+          <a:xfrm>
+            <a:off x="265500" y="1081400"/>
+            <a:ext cx="4045199" cy="1089600"/>
+          </a:xfrm>
+          <a:prstGeom prst="rect">
+            <a:avLst/>
+          </a:prstGeom>
+        </p:spPr>
+        <p:txBody>
+          <a:bodyPr anchorCtr="0" anchor="b" bIns="91425" lIns="91425" rIns="91425" tIns="91425">
+            <a:noAutofit/>
+          </a:bodyPr>
+          <a:lstStyle/>
+          <a:p>
+            <a:pPr lvl="0">
+              <a:spcBef>
+                <a:spcPts val="0"/>
+              </a:spcBef>
+              <a:buNone/>
+            </a:pPr>
+            <a:r>
+              <a:rPr lang="en"/>
+              <a:t>Design Overview</a:t>
+            </a:r>
+          </a:p>
+        </p:txBody>
+      </p:sp>
+      <p:sp>
+        <p:nvSpPr>
+          <p:cNvPr id="119" name="Shape 119"/>
+          <p:cNvSpPr txBox="1"/>
+          <p:nvPr>
+            <p:ph idx="1" type="subTitle"/>
+          </p:nvPr>
+        </p:nvSpPr>
+        <p:spPr>
+          <a:xfrm>
+            <a:off x="265500" y="2589099"/>
+            <a:ext cx="4045199" cy="2554499"/>
           </a:xfrm>
           <a:prstGeom prst="rect">
             <a:avLst/>
@@ -7189,138 +7621,107 @@
           </a:bodyPr>
           <a:lstStyle/>
           <a:p>
-            <a:pPr indent="0" lvl="0" marL="0" rtl="0">
-              <a:spcBef>
-                <a:spcPts val="0"/>
-              </a:spcBef>
-              <a:spcAft>
-                <a:spcPts val="0"/>
-              </a:spcAft>
-              <a:buNone/>
-            </a:pPr>
-            <a:r>
-              <a:rPr lang="en">
-                <a:solidFill>
-                  <a:srgbClr val="CACACA"/>
-                </a:solidFill>
-              </a:rPr>
-              <a:t>public void openConnection()</a:t>
-            </a:r>
-          </a:p>
-          <a:p>
-            <a:pPr indent="0" lvl="0" marL="0" rtl="0">
-              <a:spcBef>
-                <a:spcPts val="0"/>
-              </a:spcBef>
-              <a:spcAft>
-                <a:spcPts val="0"/>
-              </a:spcAft>
-              <a:buNone/>
-            </a:pPr>
-            <a:r>
-              <a:rPr lang="en">
-                <a:solidFill>
-                  <a:srgbClr val="CACACA"/>
-                </a:solidFill>
-              </a:rPr>
-              <a:t>{</a:t>
-            </a:r>
-          </a:p>
-          <a:p>
-            <a:pPr indent="0" lvl="0" marL="457200" rtl="0">
-              <a:spcBef>
-                <a:spcPts val="0"/>
-              </a:spcBef>
-              <a:spcAft>
-                <a:spcPts val="0"/>
-              </a:spcAft>
-              <a:buNone/>
-            </a:pPr>
-            <a:r>
-              <a:rPr lang="en">
-                <a:solidFill>
-                  <a:srgbClr val="CACACA"/>
-                </a:solidFill>
-              </a:rPr>
-              <a:t>socket = new Socket(host, port);</a:t>
-            </a:r>
-          </a:p>
-          <a:p>
-            <a:pPr indent="0" lvl="0" marL="457200" rtl="0">
-              <a:spcBef>
-                <a:spcPts val="0"/>
-              </a:spcBef>
-              <a:spcAft>
-                <a:spcPts val="0"/>
-              </a:spcAft>
-              <a:buNone/>
-            </a:pPr>
-            <a:r>
-              <a:rPr lang="en">
-                <a:solidFill>
-                  <a:srgbClr val="CACACA"/>
-                </a:solidFill>
-              </a:rPr>
-              <a:t>dataIn = new BufferedReader(new InputStreamReader(socket.getInputStream()));</a:t>
-            </a:r>
-          </a:p>
-          <a:p>
-            <a:pPr indent="0" lvl="0" marL="457200" rtl="0">
-              <a:spcBef>
-                <a:spcPts val="0"/>
-              </a:spcBef>
-              <a:spcAft>
-                <a:spcPts val="0"/>
-              </a:spcAft>
-              <a:buNone/>
-            </a:pPr>
-            <a:r>
-              <a:rPr lang="en">
-                <a:solidFill>
-                  <a:srgbClr val="CACACA"/>
-                </a:solidFill>
-              </a:rPr>
-              <a:t>dataOut = new PrintWriter(socket.getOutputStream(), true);</a:t>
-            </a:r>
-          </a:p>
-          <a:p>
-            <a:pPr lvl="0">
-              <a:spcBef>
-                <a:spcPts val="0"/>
-              </a:spcBef>
-              <a:buNone/>
+            <a:pPr indent="-228600" lvl="0" marL="457200" rtl="0">
+              <a:spcBef>
+                <a:spcPts val="0"/>
+              </a:spcBef>
+              <a:buAutoNum type="arabicPeriod"/>
             </a:pPr>
             <a:r>
               <a:rPr lang="en"/>
-              <a:t>}</a:t>
+              <a:t>Connection is created</a:t>
             </a:r>
           </a:p>
+          <a:p>
+            <a:pPr indent="-228600" lvl="0" marL="457200" rtl="0">
+              <a:spcBef>
+                <a:spcPts val="0"/>
+              </a:spcBef>
+              <a:buAutoNum type="arabicPeriod"/>
+            </a:pPr>
+            <a:r>
+              <a:rPr lang="en"/>
+              <a:t>Data is sent from server and received by client</a:t>
+            </a:r>
+          </a:p>
+          <a:p>
+            <a:pPr indent="-228600" lvl="0" marL="457200" rtl="0">
+              <a:spcBef>
+                <a:spcPts val="0"/>
+              </a:spcBef>
+              <a:buAutoNum type="arabicPeriod"/>
+            </a:pPr>
+            <a:r>
+              <a:rPr lang="en"/>
+              <a:t>Data is sent from Client to Server</a:t>
+            </a:r>
+          </a:p>
+          <a:p>
+            <a:pPr indent="-228600" lvl="0" marL="457200" rtl="0">
+              <a:spcBef>
+                <a:spcPts val="0"/>
+              </a:spcBef>
+              <a:buAutoNum type="arabicPeriod"/>
+            </a:pPr>
+            <a:r>
+              <a:rPr lang="en"/>
+              <a:t>Speeds are recorded</a:t>
+            </a:r>
+          </a:p>
         </p:txBody>
       </p:sp>
-      <p:sp>
-        <p:nvSpPr>
-          <p:cNvPr id="113" name="Shape 113"/>
+      <p:pic>
+        <p:nvPicPr>
+          <p:cNvPr id="120" name="Shape 120"/>
+          <p:cNvPicPr preferRelativeResize="0"/>
+          <p:nvPr/>
+        </p:nvPicPr>
+        <p:blipFill>
+          <a:blip r:embed="rId3">
+            <a:alphaModFix/>
+          </a:blip>
+          <a:stretch>
+            <a:fillRect/>
+          </a:stretch>
+        </p:blipFill>
+        <p:spPr>
+          <a:xfrm>
+            <a:off x="3683475" y="-150175"/>
+            <a:ext cx="6858000" cy="5143500"/>
+          </a:xfrm>
+          <a:prstGeom prst="rect">
+            <a:avLst/>
+          </a:prstGeom>
+          <a:noFill/>
+          <a:ln>
+            <a:noFill/>
+          </a:ln>
+        </p:spPr>
+      </p:pic>
+      <p:sp>
+        <p:nvSpPr>
+          <p:cNvPr id="121" name="Shape 121"/>
           <p:cNvSpPr txBox="1"/>
           <p:nvPr>
-            <p:ph type="title"/>
-          </p:nvPr>
-        </p:nvSpPr>
-        <p:spPr>
-          <a:xfrm>
-            <a:off x="311700" y="555600"/>
-            <a:ext cx="2807999" cy="755699"/>
+            <p:ph idx="2" type="body"/>
+          </p:nvPr>
+        </p:nvSpPr>
+        <p:spPr>
+          <a:xfrm>
+            <a:off x="4939500" y="3018100"/>
+            <a:ext cx="3837000" cy="1401299"/>
           </a:xfrm>
           <a:prstGeom prst="rect">
             <a:avLst/>
           </a:prstGeom>
         </p:spPr>
         <p:txBody>
-          <a:bodyPr anchorCtr="0" anchor="b" bIns="91425" lIns="91425" rIns="91425" tIns="91425">
+          <a:bodyPr anchorCtr="0" anchor="ctr" bIns="91425" lIns="91425" rIns="91425" tIns="91425">
             <a:noAutofit/>
           </a:bodyPr>
           <a:lstStyle/>
           <a:p>
-            <a:pPr lvl="0">
+            <a:pPr lvl="0" rtl="0">
               <a:spcBef>
                 <a:spcPts val="0"/>
               </a:spcBef>
@@ -7328,43 +7729,7 @@
             </a:pPr>
             <a:r>
               <a:rPr lang="en"/>
-              <a:t>Detailed Design</a:t>
-            </a:r>
-          </a:p>
-        </p:txBody>
-      </p:sp>
-      <p:sp>
-        <p:nvSpPr>
-          <p:cNvPr id="114" name="Shape 114"/>
-          <p:cNvSpPr txBox="1"/>
-          <p:nvPr>
-            <p:ph idx="2" type="subTitle"/>
-          </p:nvPr>
-        </p:nvSpPr>
-        <p:spPr>
-          <a:xfrm>
-            <a:off x="686800" y="1496049"/>
-            <a:ext cx="4045199" cy="995999"/>
-          </a:xfrm>
-          <a:prstGeom prst="rect">
-            <a:avLst/>
-          </a:prstGeom>
-        </p:spPr>
-        <p:txBody>
-          <a:bodyPr anchorCtr="0" anchor="t" bIns="91425" lIns="91425" rIns="91425" tIns="91425">
-            <a:noAutofit/>
-          </a:bodyPr>
-          <a:lstStyle/>
-          <a:p>
-            <a:pPr lvl="0" rtl="0">
-              <a:spcBef>
-                <a:spcPts val="0"/>
-              </a:spcBef>
-              <a:buNone/>
-            </a:pPr>
-            <a:r>
-              <a:rPr lang="en"/>
-              <a:t>Connection is created</a:t>
+              <a:t>Client-Server connection used in Speed Jester</a:t>
             </a:r>
           </a:p>
         </p:txBody>
@@ -7385,7 +7750,7 @@
   <p:cSld>
     <p:spTree>
       <p:nvGrpSpPr>
-        <p:cNvPr id="118" name="Shape 118"/>
+        <p:cNvPr id="125" name="Shape 125"/>
         <p:cNvGrpSpPr/>
         <p:nvPr/>
       </p:nvGrpSpPr>
@@ -7397,54 +7762,22 @@
           <a:chExt cx="0" cy="0"/>
         </a:xfrm>
       </p:grpSpPr>
-      <p:pic>
-        <p:nvPicPr>
-          <p:cNvPr id="119" name="Shape 119"/>
-          <p:cNvPicPr preferRelativeResize="0"/>
-          <p:nvPr/>
-        </p:nvPicPr>
-        <p:blipFill>
-          <a:blip r:embed="rId3">
-            <a:alphaModFix/>
-          </a:blip>
-          <a:stretch>
-            <a:fillRect/>
-          </a:stretch>
-        </p:blipFill>
-        <p:spPr>
-          <a:xfrm>
-            <a:off x="1009237" y="1056962"/>
-            <a:ext cx="7125526" cy="3905525"/>
-          </a:xfrm>
-          <a:prstGeom prst="rect">
-            <a:avLst/>
-          </a:prstGeom>
-          <a:noFill/>
-          <a:ln>
-            <a:noFill/>
-          </a:ln>
-        </p:spPr>
-      </p:pic>
-      <p:sp>
-        <p:nvSpPr>
-          <p:cNvPr id="120" name="Shape 120"/>
+      <p:sp>
+        <p:nvSpPr>
+          <p:cNvPr id="126" name="Shape 126"/>
           <p:cNvSpPr txBox="1"/>
           <p:nvPr>
-            <p:ph idx="4294967295" type="subTitle"/>
-          </p:nvPr>
-        </p:nvSpPr>
-        <p:spPr>
-          <a:xfrm>
-            <a:off x="928775" y="361500"/>
-            <a:ext cx="3089400" cy="491700"/>
-          </a:xfrm>
-          <a:prstGeom prst="rect">
-            <a:avLst/>
-          </a:prstGeom>
-          <a:noFill/>
-          <a:ln>
-            <a:noFill/>
-          </a:ln>
+            <p:ph idx="1" type="body"/>
+          </p:nvPr>
+        </p:nvSpPr>
+        <p:spPr>
+          <a:xfrm>
+            <a:off x="758975" y="1938950"/>
+            <a:ext cx="6466499" cy="1510800"/>
+          </a:xfrm>
+          <a:prstGeom prst="rect">
+            <a:avLst/>
+          </a:prstGeom>
         </p:spPr>
         <p:txBody>
           <a:bodyPr anchorCtr="0" anchor="t" bIns="91425" lIns="91425" rIns="91425" tIns="91425">
@@ -7452,6 +7785,173 @@
           </a:bodyPr>
           <a:lstStyle/>
           <a:p>
+            <a:pPr indent="0" lvl="0" marL="0" rtl="0">
+              <a:spcBef>
+                <a:spcPts val="0"/>
+              </a:spcBef>
+              <a:spcAft>
+                <a:spcPts val="0"/>
+              </a:spcAft>
+              <a:buNone/>
+            </a:pPr>
+            <a:r>
+              <a:rPr lang="en">
+                <a:solidFill>
+                  <a:srgbClr val="CACACA"/>
+                </a:solidFill>
+              </a:rPr>
+              <a:t>public void openConnection()</a:t>
+            </a:r>
+          </a:p>
+          <a:p>
+            <a:pPr indent="0" lvl="0" marL="0" rtl="0">
+              <a:spcBef>
+                <a:spcPts val="0"/>
+              </a:spcBef>
+              <a:spcAft>
+                <a:spcPts val="0"/>
+              </a:spcAft>
+              <a:buNone/>
+            </a:pPr>
+            <a:r>
+              <a:rPr lang="en">
+                <a:solidFill>
+                  <a:srgbClr val="CACACA"/>
+                </a:solidFill>
+              </a:rPr>
+              <a:t>{</a:t>
+            </a:r>
+          </a:p>
+          <a:p>
+            <a:pPr indent="0" lvl="0" marL="457200" rtl="0">
+              <a:spcBef>
+                <a:spcPts val="0"/>
+              </a:spcBef>
+              <a:spcAft>
+                <a:spcPts val="0"/>
+              </a:spcAft>
+              <a:buNone/>
+            </a:pPr>
+            <a:r>
+              <a:rPr lang="en">
+                <a:solidFill>
+                  <a:srgbClr val="CACACA"/>
+                </a:solidFill>
+              </a:rPr>
+              <a:t>socket = new Socket(host, port);</a:t>
+            </a:r>
+          </a:p>
+          <a:p>
+            <a:pPr indent="0" lvl="0" marL="457200" rtl="0">
+              <a:spcBef>
+                <a:spcPts val="0"/>
+              </a:spcBef>
+              <a:spcAft>
+                <a:spcPts val="0"/>
+              </a:spcAft>
+              <a:buNone/>
+            </a:pPr>
+            <a:r>
+              <a:rPr lang="en">
+                <a:solidFill>
+                  <a:srgbClr val="CACACA"/>
+                </a:solidFill>
+              </a:rPr>
+              <a:t>dataIn = new BufferedReader(new InputStreamReader(socket.getInputStream()));</a:t>
+            </a:r>
+          </a:p>
+          <a:p>
+            <a:pPr indent="0" lvl="0" marL="457200" rtl="0">
+              <a:spcBef>
+                <a:spcPts val="0"/>
+              </a:spcBef>
+              <a:spcAft>
+                <a:spcPts val="0"/>
+              </a:spcAft>
+              <a:buNone/>
+            </a:pPr>
+            <a:r>
+              <a:rPr lang="en">
+                <a:solidFill>
+                  <a:srgbClr val="CACACA"/>
+                </a:solidFill>
+              </a:rPr>
+              <a:t>dataOut = new PrintWriter(socket.getOutputStream(), true);</a:t>
+            </a:r>
+          </a:p>
+          <a:p>
+            <a:pPr lvl="0">
+              <a:spcBef>
+                <a:spcPts val="0"/>
+              </a:spcBef>
+              <a:buNone/>
+            </a:pPr>
+            <a:r>
+              <a:rPr lang="en"/>
+              <a:t>}</a:t>
+            </a:r>
+          </a:p>
+        </p:txBody>
+      </p:sp>
+      <p:sp>
+        <p:nvSpPr>
+          <p:cNvPr id="127" name="Shape 127"/>
+          <p:cNvSpPr txBox="1"/>
+          <p:nvPr>
+            <p:ph type="title"/>
+          </p:nvPr>
+        </p:nvSpPr>
+        <p:spPr>
+          <a:xfrm>
+            <a:off x="311700" y="555600"/>
+            <a:ext cx="2807999" cy="755699"/>
+          </a:xfrm>
+          <a:prstGeom prst="rect">
+            <a:avLst/>
+          </a:prstGeom>
+        </p:spPr>
+        <p:txBody>
+          <a:bodyPr anchorCtr="0" anchor="b" bIns="91425" lIns="91425" rIns="91425" tIns="91425">
+            <a:noAutofit/>
+          </a:bodyPr>
+          <a:lstStyle/>
+          <a:p>
+            <a:pPr lvl="0">
+              <a:spcBef>
+                <a:spcPts val="0"/>
+              </a:spcBef>
+              <a:buNone/>
+            </a:pPr>
+            <a:r>
+              <a:rPr lang="en"/>
+              <a:t>Detailed Design</a:t>
+            </a:r>
+          </a:p>
+        </p:txBody>
+      </p:sp>
+      <p:sp>
+        <p:nvSpPr>
+          <p:cNvPr id="128" name="Shape 128"/>
+          <p:cNvSpPr txBox="1"/>
+          <p:nvPr>
+            <p:ph idx="2" type="subTitle"/>
+          </p:nvPr>
+        </p:nvSpPr>
+        <p:spPr>
+          <a:xfrm>
+            <a:off x="686800" y="1496049"/>
+            <a:ext cx="4045199" cy="995999"/>
+          </a:xfrm>
+          <a:prstGeom prst="rect">
+            <a:avLst/>
+          </a:prstGeom>
+        </p:spPr>
+        <p:txBody>
+          <a:bodyPr anchorCtr="0" anchor="t" bIns="91425" lIns="91425" rIns="91425" tIns="91425">
+            <a:noAutofit/>
+          </a:bodyPr>
+          <a:lstStyle/>
+          <a:p>
             <a:pPr lvl="0" rtl="0">
               <a:spcBef>
                 <a:spcPts val="0"/>
@@ -7459,8 +7959,8 @@
               <a:buNone/>
             </a:pPr>
             <a:r>
-              <a:rPr lang="en" sz="2400"/>
-              <a:t>Server Code</a:t>
+              <a:rPr lang="en"/>
+              <a:t>Connection is created</a:t>
             </a:r>
           </a:p>
         </p:txBody>
